--- a/g1-induction/unit-2-semester-2/talk-6-comp-systems-intro/systems-and-networks.pptx
+++ b/g1-induction/unit-2-semester-2/talk-6-comp-systems-intro/systems-and-networks.pptx
@@ -265,7 +265,7 @@
           <a:p>
             <a:fld id="{9BC09C02-16BE-49C5-A25F-5D1DB9CEF0E7}" type="datetimeFigureOut">
               <a:rPr lang="en-IE" smtClean="0"/>
-              <a:t>17/01/2018</a:t>
+              <a:t>09/01/2019</a:t>
             </a:fld>
             <a:endParaRPr lang="en-IE"/>
           </a:p>
@@ -465,7 +465,7 @@
           <a:p>
             <a:fld id="{9BC09C02-16BE-49C5-A25F-5D1DB9CEF0E7}" type="datetimeFigureOut">
               <a:rPr lang="en-IE" smtClean="0"/>
-              <a:t>17/01/2018</a:t>
+              <a:t>09/01/2019</a:t>
             </a:fld>
             <a:endParaRPr lang="en-IE"/>
           </a:p>
@@ -675,7 +675,7 @@
           <a:p>
             <a:fld id="{9BC09C02-16BE-49C5-A25F-5D1DB9CEF0E7}" type="datetimeFigureOut">
               <a:rPr lang="en-IE" smtClean="0"/>
-              <a:t>17/01/2018</a:t>
+              <a:t>09/01/2019</a:t>
             </a:fld>
             <a:endParaRPr lang="en-IE"/>
           </a:p>
@@ -875,7 +875,7 @@
           <a:p>
             <a:fld id="{9BC09C02-16BE-49C5-A25F-5D1DB9CEF0E7}" type="datetimeFigureOut">
               <a:rPr lang="en-IE" smtClean="0"/>
-              <a:t>17/01/2018</a:t>
+              <a:t>09/01/2019</a:t>
             </a:fld>
             <a:endParaRPr lang="en-IE"/>
           </a:p>
@@ -1151,7 +1151,7 @@
           <a:p>
             <a:fld id="{9BC09C02-16BE-49C5-A25F-5D1DB9CEF0E7}" type="datetimeFigureOut">
               <a:rPr lang="en-IE" smtClean="0"/>
-              <a:t>17/01/2018</a:t>
+              <a:t>09/01/2019</a:t>
             </a:fld>
             <a:endParaRPr lang="en-IE"/>
           </a:p>
@@ -1419,7 +1419,7 @@
           <a:p>
             <a:fld id="{9BC09C02-16BE-49C5-A25F-5D1DB9CEF0E7}" type="datetimeFigureOut">
               <a:rPr lang="en-IE" smtClean="0"/>
-              <a:t>17/01/2018</a:t>
+              <a:t>09/01/2019</a:t>
             </a:fld>
             <a:endParaRPr lang="en-IE"/>
           </a:p>
@@ -1834,7 +1834,7 @@
           <a:p>
             <a:fld id="{9BC09C02-16BE-49C5-A25F-5D1DB9CEF0E7}" type="datetimeFigureOut">
               <a:rPr lang="en-IE" smtClean="0"/>
-              <a:t>17/01/2018</a:t>
+              <a:t>09/01/2019</a:t>
             </a:fld>
             <a:endParaRPr lang="en-IE"/>
           </a:p>
@@ -1976,7 +1976,7 @@
           <a:p>
             <a:fld id="{9BC09C02-16BE-49C5-A25F-5D1DB9CEF0E7}" type="datetimeFigureOut">
               <a:rPr lang="en-IE" smtClean="0"/>
-              <a:t>17/01/2018</a:t>
+              <a:t>09/01/2019</a:t>
             </a:fld>
             <a:endParaRPr lang="en-IE"/>
           </a:p>
@@ -2089,7 +2089,7 @@
           <a:p>
             <a:fld id="{9BC09C02-16BE-49C5-A25F-5D1DB9CEF0E7}" type="datetimeFigureOut">
               <a:rPr lang="en-IE" smtClean="0"/>
-              <a:t>17/01/2018</a:t>
+              <a:t>09/01/2019</a:t>
             </a:fld>
             <a:endParaRPr lang="en-IE"/>
           </a:p>
@@ -2402,7 +2402,7 @@
           <a:p>
             <a:fld id="{9BC09C02-16BE-49C5-A25F-5D1DB9CEF0E7}" type="datetimeFigureOut">
               <a:rPr lang="en-IE" smtClean="0"/>
-              <a:t>17/01/2018</a:t>
+              <a:t>09/01/2019</a:t>
             </a:fld>
             <a:endParaRPr lang="en-IE"/>
           </a:p>
@@ -2691,7 +2691,7 @@
           <a:p>
             <a:fld id="{9BC09C02-16BE-49C5-A25F-5D1DB9CEF0E7}" type="datetimeFigureOut">
               <a:rPr lang="en-IE" smtClean="0"/>
-              <a:t>17/01/2018</a:t>
+              <a:t>09/01/2019</a:t>
             </a:fld>
             <a:endParaRPr lang="en-IE"/>
           </a:p>
@@ -2934,7 +2934,7 @@
           <a:p>
             <a:fld id="{9BC09C02-16BE-49C5-A25F-5D1DB9CEF0E7}" type="datetimeFigureOut">
               <a:rPr lang="en-IE" smtClean="0"/>
-              <a:t>17/01/2018</a:t>
+              <a:t>09/01/2019</a:t>
             </a:fld>
             <a:endParaRPr lang="en-IE"/>
           </a:p>
@@ -3367,7 +3367,12 @@
             <p:ph type="ctrTitle"/>
           </p:nvPr>
         </p:nvSpPr>
-        <p:spPr/>
+        <p:spPr>
+          <a:xfrm>
+            <a:off x="1524000" y="1122363"/>
+            <a:ext cx="6687493" cy="2387600"/>
+          </a:xfrm>
+        </p:spPr>
         <p:txBody>
           <a:bodyPr>
             <a:normAutofit fontScale="90000"/>
@@ -3404,7 +3409,12 @@
             <p:ph type="subTitle" idx="1"/>
           </p:nvPr>
         </p:nvSpPr>
-        <p:spPr/>
+        <p:spPr>
+          <a:xfrm>
+            <a:off x="229355" y="3909856"/>
+            <a:ext cx="9144000" cy="1655762"/>
+          </a:xfrm>
+        </p:spPr>
         <p:txBody>
           <a:bodyPr/>
           <a:lstStyle/>
@@ -3416,6 +3426,41 @@
           </a:p>
         </p:txBody>
       </p:sp>
+      <p:pic>
+        <p:nvPicPr>
+          <p:cNvPr id="4" name="Picture 3">
+            <a:extLst>
+              <a:ext uri="{FF2B5EF4-FFF2-40B4-BE49-F238E27FC236}">
+                <a16:creationId xmlns:a16="http://schemas.microsoft.com/office/drawing/2014/main" id="{ECA59CFF-8975-3842-A6D7-E2B61F704F42}"/>
+              </a:ext>
+            </a:extLst>
+          </p:cNvPr>
+          <p:cNvPicPr>
+            <a:picLocks noChangeAspect="1"/>
+          </p:cNvPicPr>
+          <p:nvPr/>
+        </p:nvPicPr>
+        <p:blipFill rotWithShape="1">
+          <a:blip r:embed="rId2">
+            <a:extLst>
+              <a:ext uri="{28A0092B-C50C-407E-A947-70E740481C1C}">
+                <a14:useLocalDpi xmlns:a14="http://schemas.microsoft.com/office/drawing/2010/main" val="0"/>
+              </a:ext>
+            </a:extLst>
+          </a:blip>
+          <a:srcRect l="101" t="-290" r="51818" b="290"/>
+          <a:stretch/>
+        </p:blipFill>
+        <p:spPr>
+          <a:xfrm>
+            <a:off x="8528365" y="336597"/>
+            <a:ext cx="2978590" cy="6019800"/>
+          </a:xfrm>
+          <a:prstGeom prst="rect">
+            <a:avLst/>
+          </a:prstGeom>
+        </p:spPr>
+      </p:pic>
     </p:spTree>
     <p:extLst>
       <p:ext uri="{BB962C8B-B14F-4D97-AF65-F5344CB8AC3E}">
